--- a/src/Presentation/Presentation.pptx
+++ b/src/Presentation/Presentation.pptx
@@ -7,6 +7,7 @@
   <p:sldIdLst>
     <p:sldId id="256" r:id="rId2"/>
     <p:sldId id="257" r:id="rId3"/>
+    <p:sldId id="258" r:id="rId4"/>
   </p:sldIdLst>
   <p:sldSz cx="9144000" cy="5143500" type="screen16x9"/>
   <p:notesSz cx="6858000" cy="9144000"/>
@@ -3175,6 +3176,60 @@
           <a:chExt cx="0" cy="0"/>
         </a:xfrm>
       </p:grpSpPr>
+      <mc:AlternateContent xmlns:mc="http://schemas.openxmlformats.org/markup-compatibility/2006">
+        <mc:Choice xmlns:a14="http://schemas.microsoft.com/office/drawing/2010/main" Requires="a14">
+          <p:sp>
+            <p:nvSpPr>
+              <p:cNvPr id="3" name="Content Placeholder 2"/>
+              <p:cNvSpPr>
+                <a:spLocks noGrp="1"/>
+              </p:cNvSpPr>
+              <p:nvPr>
+                <p:ph idx="1"/>
+              </p:nvPr>
+            </p:nvSpPr>
+            <p:spPr/>
+            <p:txBody>
+              <a:bodyPr/>
+              <a:lstStyle/>
+              <a:p>
+                <a:pPr lvl="0" indent="0" marL="0">
+                  <a:buNone/>
+                </a:pPr>
+                <a14:m>
+                  <m:oMath xmlns:m="http://schemas.openxmlformats.org/officeDocument/2006/math">
+                    <m:r>
+                      <m:t>γ</m:t>
+                    </m:r>
+                  </m:oMath>
+                </a14:m>
+              </a:p>
+            </p:txBody>
+          </p:sp>
+        </mc:Choice>
+      </mc:AlternateContent>
+    </p:spTree>
+  </p:cSld>
+</p:sld>
+</file>
+
+<file path=ppt/slides/slide3.xml><?xml version="1.0" encoding="utf-8"?>
+<p:sld xmlns:a="http://schemas.openxmlformats.org/drawingml/2006/main" xmlns:r="http://schemas.openxmlformats.org/officeDocument/2006/relationships" xmlns:p="http://schemas.openxmlformats.org/presentationml/2006/main">
+  <p:cSld>
+    <p:spTree>
+      <p:nvGrpSpPr>
+        <p:cNvPr id="1" name=""/>
+        <p:cNvGrpSpPr/>
+        <p:nvPr/>
+      </p:nvGrpSpPr>
+      <p:grpSpPr>
+        <a:xfrm>
+          <a:off x="0" y="0"/>
+          <a:ext cx="0" cy="0"/>
+          <a:chOff x="0" y="0"/>
+          <a:chExt cx="0" cy="0"/>
+        </a:xfrm>
+      </p:grpSpPr>
       <p:sp>
         <p:nvSpPr>
           <p:cNvPr id="3" name="Content Placeholder 2"/>
@@ -3193,76 +3248,11 @@
             <a:pPr lvl="0" indent="0">
               <a:buNone/>
             </a:pPr>
-            <a:r>
-              <a:rPr>
-                <a:solidFill>
-                  <a:srgbClr val="06287E"/>
-                </a:solidFill>
-                <a:latin typeface="Courier"/>
-              </a:rPr>
-              <a:t>rnorm</a:t>
-            </a:r>
             <a:r>
               <a:rPr>
                 <a:latin typeface="Courier"/>
               </a:rPr>
-              <a:t>(</a:t>
-            </a:r>
-            <a:r>
-              <a:rPr>
-                <a:solidFill>
-                  <a:srgbClr val="40A070"/>
-                </a:solidFill>
-                <a:latin typeface="Courier"/>
-              </a:rPr>
-              <a:t>5</a:t>
-            </a:r>
-            <a:r>
-              <a:rPr>
-                <a:latin typeface="Courier"/>
-              </a:rPr>
-              <a:t>,</a:t>
-            </a:r>
-            <a:r>
-              <a:rPr>
-                <a:solidFill>
-                  <a:srgbClr val="40A070"/>
-                </a:solidFill>
-                <a:latin typeface="Courier"/>
-              </a:rPr>
-              <a:t>0</a:t>
-            </a:r>
-            <a:r>
-              <a:rPr>
-                <a:latin typeface="Courier"/>
-              </a:rPr>
-              <a:t>,</a:t>
-            </a:r>
-            <a:r>
-              <a:rPr>
-                <a:solidFill>
-                  <a:srgbClr val="40A070"/>
-                </a:solidFill>
-                <a:latin typeface="Courier"/>
-              </a:rPr>
-              <a:t>1</a:t>
-            </a:r>
-            <a:r>
-              <a:rPr>
-                <a:latin typeface="Courier"/>
-              </a:rPr>
-              <a:t>)</a:t>
-            </a:r>
-          </a:p>
-          <a:p>
-            <a:pPr lvl="0" indent="0">
-              <a:buNone/>
-            </a:pPr>
-            <a:r>
-              <a:rPr>
-                <a:latin typeface="Courier"/>
-              </a:rPr>
-              <a:t>## [1]  1.38257936 -0.25312578 -0.95193356  0.04069257  0.16658430</a:t>
+              <a:t>## [1]  0.85640464 -0.01984157  0.12288238  0.02109302</a:t>
             </a:r>
           </a:p>
         </p:txBody>
